--- a/Haustür.pptx
+++ b/Haustür.pptx
@@ -107,6 +107,11 @@
       </a:defRPr>
     </a:lvl9pPr>
   </p:defaultTextStyle>
+  <p:extLst>
+    <p:ext uri="{EFAFB233-063F-42B5-8137-9DF3F51BA10A}">
+      <p15:sldGuideLst xmlns:p15="http://schemas.microsoft.com/office/powerpoint/2012/main"/>
+    </p:ext>
+  </p:extLst>
 </p:presentation>
 </file>
 
@@ -259,7 +264,7 @@
           <a:p>
             <a:fld id="{66908AC4-EBB3-46FD-8F7C-9292EA059B02}" type="datetimeFigureOut">
               <a:rPr lang="de-AT" smtClean="0"/>
-              <a:t>02.04.2020</a:t>
+              <a:t>23.04.2020</a:t>
             </a:fld>
             <a:endParaRPr lang="de-AT"/>
           </a:p>
@@ -459,7 +464,7 @@
           <a:p>
             <a:fld id="{66908AC4-EBB3-46FD-8F7C-9292EA059B02}" type="datetimeFigureOut">
               <a:rPr lang="de-AT" smtClean="0"/>
-              <a:t>02.04.2020</a:t>
+              <a:t>23.04.2020</a:t>
             </a:fld>
             <a:endParaRPr lang="de-AT"/>
           </a:p>
@@ -669,7 +674,7 @@
           <a:p>
             <a:fld id="{66908AC4-EBB3-46FD-8F7C-9292EA059B02}" type="datetimeFigureOut">
               <a:rPr lang="de-AT" smtClean="0"/>
-              <a:t>02.04.2020</a:t>
+              <a:t>23.04.2020</a:t>
             </a:fld>
             <a:endParaRPr lang="de-AT"/>
           </a:p>
@@ -869,7 +874,7 @@
           <a:p>
             <a:fld id="{66908AC4-EBB3-46FD-8F7C-9292EA059B02}" type="datetimeFigureOut">
               <a:rPr lang="de-AT" smtClean="0"/>
-              <a:t>02.04.2020</a:t>
+              <a:t>23.04.2020</a:t>
             </a:fld>
             <a:endParaRPr lang="de-AT"/>
           </a:p>
@@ -1145,7 +1150,7 @@
           <a:p>
             <a:fld id="{66908AC4-EBB3-46FD-8F7C-9292EA059B02}" type="datetimeFigureOut">
               <a:rPr lang="de-AT" smtClean="0"/>
-              <a:t>02.04.2020</a:t>
+              <a:t>23.04.2020</a:t>
             </a:fld>
             <a:endParaRPr lang="de-AT"/>
           </a:p>
@@ -1413,7 +1418,7 @@
           <a:p>
             <a:fld id="{66908AC4-EBB3-46FD-8F7C-9292EA059B02}" type="datetimeFigureOut">
               <a:rPr lang="de-AT" smtClean="0"/>
-              <a:t>02.04.2020</a:t>
+              <a:t>23.04.2020</a:t>
             </a:fld>
             <a:endParaRPr lang="de-AT"/>
           </a:p>
@@ -1828,7 +1833,7 @@
           <a:p>
             <a:fld id="{66908AC4-EBB3-46FD-8F7C-9292EA059B02}" type="datetimeFigureOut">
               <a:rPr lang="de-AT" smtClean="0"/>
-              <a:t>02.04.2020</a:t>
+              <a:t>23.04.2020</a:t>
             </a:fld>
             <a:endParaRPr lang="de-AT"/>
           </a:p>
@@ -1970,7 +1975,7 @@
           <a:p>
             <a:fld id="{66908AC4-EBB3-46FD-8F7C-9292EA059B02}" type="datetimeFigureOut">
               <a:rPr lang="de-AT" smtClean="0"/>
-              <a:t>02.04.2020</a:t>
+              <a:t>23.04.2020</a:t>
             </a:fld>
             <a:endParaRPr lang="de-AT"/>
           </a:p>
@@ -2083,7 +2088,7 @@
           <a:p>
             <a:fld id="{66908AC4-EBB3-46FD-8F7C-9292EA059B02}" type="datetimeFigureOut">
               <a:rPr lang="de-AT" smtClean="0"/>
-              <a:t>02.04.2020</a:t>
+              <a:t>23.04.2020</a:t>
             </a:fld>
             <a:endParaRPr lang="de-AT"/>
           </a:p>
@@ -2396,7 +2401,7 @@
           <a:p>
             <a:fld id="{66908AC4-EBB3-46FD-8F7C-9292EA059B02}" type="datetimeFigureOut">
               <a:rPr lang="de-AT" smtClean="0"/>
-              <a:t>02.04.2020</a:t>
+              <a:t>23.04.2020</a:t>
             </a:fld>
             <a:endParaRPr lang="de-AT"/>
           </a:p>
@@ -2685,7 +2690,7 @@
           <a:p>
             <a:fld id="{66908AC4-EBB3-46FD-8F7C-9292EA059B02}" type="datetimeFigureOut">
               <a:rPr lang="de-AT" smtClean="0"/>
-              <a:t>02.04.2020</a:t>
+              <a:t>23.04.2020</a:t>
             </a:fld>
             <a:endParaRPr lang="de-AT"/>
           </a:p>
@@ -2928,7 +2933,7 @@
           <a:p>
             <a:fld id="{66908AC4-EBB3-46FD-8F7C-9292EA059B02}" type="datetimeFigureOut">
               <a:rPr lang="de-AT" smtClean="0"/>
-              <a:t>02.04.2020</a:t>
+              <a:t>23.04.2020</a:t>
             </a:fld>
             <a:endParaRPr lang="de-AT"/>
           </a:p>
@@ -3651,7 +3656,15 @@
           <a:p>
             <a:r>
               <a:rPr lang="de-AT" dirty="0"/>
-              <a:t>App und Blindschirm (Control Panel)</a:t>
+              <a:t>App </a:t>
+            </a:r>
+            <a:r>
+              <a:rPr lang="de-AT"/>
+              <a:t>und Bildschirm </a:t>
+            </a:r>
+            <a:r>
+              <a:rPr lang="de-AT" dirty="0"/>
+              <a:t>(Control Panel)</a:t>
             </a:r>
           </a:p>
           <a:p>

--- a/Haustür.pptx
+++ b/Haustür.pptx
@@ -3945,7 +3945,7 @@
         </p:blipFill>
         <p:spPr bwMode="auto">
           <a:xfrm>
-            <a:off x="327464" y="2243635"/>
+            <a:off x="1153632" y="2233068"/>
             <a:ext cx="2947044" cy="1768226"/>
           </a:xfrm>
           <a:prstGeom prst="rect">
@@ -4276,53 +4276,6 @@
           <a:xfrm>
             <a:off x="9122761" y="4980483"/>
             <a:ext cx="1486505" cy="1671013"/>
-          </a:xfrm>
-          <a:prstGeom prst="rect">
-            <a:avLst/>
-          </a:prstGeom>
-          <a:noFill/>
-          <a:extLst>
-            <a:ext uri="{909E8E84-426E-40DD-AFC4-6F175D3DCCD1}">
-              <a14:hiddenFill xmlns:a14="http://schemas.microsoft.com/office/drawing/2010/main">
-                <a:solidFill>
-                  <a:srgbClr val="FFFFFF"/>
-                </a:solidFill>
-              </a14:hiddenFill>
-            </a:ext>
-          </a:extLst>
-        </p:spPr>
-      </p:pic>
-      <p:pic>
-        <p:nvPicPr>
-          <p:cNvPr id="1050" name="Picture 26" descr="css, document, file, format, sass, scss icon">
-            <a:extLst>
-              <a:ext uri="{FF2B5EF4-FFF2-40B4-BE49-F238E27FC236}">
-                <a16:creationId xmlns:a16="http://schemas.microsoft.com/office/drawing/2014/main" id="{9E5CA2D9-D08C-4BE4-8A31-34038944029E}"/>
-              </a:ext>
-            </a:extLst>
-          </p:cNvPr>
-          <p:cNvPicPr>
-            <a:picLocks noChangeAspect="1" noChangeArrowheads="1"/>
-          </p:cNvPicPr>
-          <p:nvPr/>
-        </p:nvPicPr>
-        <p:blipFill>
-          <a:blip r:embed="rId10">
-            <a:extLst>
-              <a:ext uri="{28A0092B-C50C-407E-A947-70E740481C1C}">
-                <a14:useLocalDpi xmlns:a14="http://schemas.microsoft.com/office/drawing/2010/main" val="0"/>
-              </a:ext>
-            </a:extLst>
-          </a:blip>
-          <a:srcRect/>
-          <a:stretch>
-            <a:fillRect/>
-          </a:stretch>
-        </p:blipFill>
-        <p:spPr bwMode="auto">
-          <a:xfrm>
-            <a:off x="2642280" y="2258898"/>
-            <a:ext cx="1562094" cy="1562094"/>
           </a:xfrm>
           <a:prstGeom prst="rect">
             <a:avLst/>
